--- a/AutomacaoComScripts/Aula07-Arquivos/07-Arquivos.pptx
+++ b/AutomacaoComScripts/Aula07-Arquivos/07-Arquivos.pptx
@@ -370,7 +370,7 @@
               <a:pPr>
                 <a:defRPr/>
               </a:pPr>
-              <a:t>01/05/2018</a:t>
+              <a:t>02/05/2018</a:t>
             </a:fld>
             <a:endParaRPr lang="pt-BR"/>
           </a:p>
@@ -648,7 +648,7 @@
               <a:pPr>
                 <a:defRPr/>
               </a:pPr>
-              <a:t>01/05/2018</a:t>
+              <a:t>02/05/2018</a:t>
             </a:fld>
             <a:endParaRPr lang="pt-BR"/>
           </a:p>
@@ -840,7 +840,7 @@
               <a:pPr>
                 <a:defRPr/>
               </a:pPr>
-              <a:t>01/05/2018</a:t>
+              <a:t>02/05/2018</a:t>
             </a:fld>
             <a:endParaRPr lang="pt-BR"/>
           </a:p>
@@ -1042,7 +1042,7 @@
               <a:pPr>
                 <a:defRPr/>
               </a:pPr>
-              <a:t>01/05/2018</a:t>
+              <a:t>02/05/2018</a:t>
             </a:fld>
             <a:endParaRPr lang="pt-BR"/>
           </a:p>
@@ -1144,7 +1144,7 @@
           <a:blip r:embed="rId2" cstate="print">
             <a:extLst>
               <a:ext uri="{BEBA8EAE-BF5A-486C-A8C5-ECC9F3942E4B}">
-                <a14:imgProps xmlns:a14="http://schemas.microsoft.com/office/drawing/2010/main" xmlns="">
+                <a14:imgProps xmlns="" xmlns:a14="http://schemas.microsoft.com/office/drawing/2010/main">
                   <a14:imgLayer r:embed="rId3">
                     <a14:imgEffect>
                       <a14:saturation sat="305000"/>
@@ -1188,7 +1188,7 @@
           <a:blip r:embed="rId4" cstate="print">
             <a:extLst>
               <a:ext uri="{28A0092B-C50C-407E-A947-70E740481C1C}">
-                <a14:useLocalDpi xmlns:a14="http://schemas.microsoft.com/office/drawing/2010/main" xmlns="" val="0"/>
+                <a14:useLocalDpi xmlns="" xmlns:a14="http://schemas.microsoft.com/office/drawing/2010/main" val="0"/>
               </a:ext>
             </a:extLst>
           </a:blip>
@@ -1211,14 +1211,14 @@
           </a:ln>
           <a:extLst>
             <a:ext uri="{909E8E84-426E-40DD-AFC4-6F175D3DCCD1}">
-              <a14:hiddenFill xmlns:a14="http://schemas.microsoft.com/office/drawing/2010/main" xmlns="">
+              <a14:hiddenFill xmlns="" xmlns:a14="http://schemas.microsoft.com/office/drawing/2010/main">
                 <a:solidFill>
                   <a:srgbClr val="FFFFFF"/>
                 </a:solidFill>
               </a14:hiddenFill>
             </a:ext>
             <a:ext uri="{91240B29-F687-4F45-9708-019B960494DF}">
-              <a14:hiddenLine xmlns:a14="http://schemas.microsoft.com/office/drawing/2010/main" xmlns="" w="9525">
+              <a14:hiddenLine xmlns="" xmlns:a14="http://schemas.microsoft.com/office/drawing/2010/main" w="9525">
                 <a:solidFill>
                   <a:srgbClr val="000000"/>
                 </a:solidFill>
@@ -1436,7 +1436,7 @@
               <a:pPr>
                 <a:defRPr/>
               </a:pPr>
-              <a:t>01/05/2018</a:t>
+              <a:t>02/05/2018</a:t>
             </a:fld>
             <a:endParaRPr lang="pt-BR"/>
           </a:p>
@@ -1628,7 +1628,7 @@
               <a:pPr>
                 <a:defRPr/>
               </a:pPr>
-              <a:t>01/05/2018</a:t>
+              <a:t>02/05/2018</a:t>
             </a:fld>
             <a:endParaRPr lang="pt-BR"/>
           </a:p>
@@ -1896,7 +1896,7 @@
               <a:pPr>
                 <a:defRPr/>
               </a:pPr>
-              <a:t>01/05/2018</a:t>
+              <a:t>02/05/2018</a:t>
             </a:fld>
             <a:endParaRPr lang="pt-BR"/>
           </a:p>
@@ -2206,7 +2206,7 @@
               <a:pPr>
                 <a:defRPr/>
               </a:pPr>
-              <a:t>01/05/2018</a:t>
+              <a:t>02/05/2018</a:t>
             </a:fld>
             <a:endParaRPr lang="pt-BR"/>
           </a:p>
@@ -2650,7 +2650,7 @@
               <a:pPr>
                 <a:defRPr/>
               </a:pPr>
-              <a:t>01/05/2018</a:t>
+              <a:t>02/05/2018</a:t>
             </a:fld>
             <a:endParaRPr lang="pt-BR"/>
           </a:p>
@@ -2790,7 +2790,7 @@
               <a:pPr>
                 <a:defRPr/>
               </a:pPr>
-              <a:t>01/05/2018</a:t>
+              <a:t>02/05/2018</a:t>
             </a:fld>
             <a:endParaRPr lang="pt-BR"/>
           </a:p>
@@ -2907,7 +2907,7 @@
               <a:pPr>
                 <a:defRPr/>
               </a:pPr>
-              <a:t>01/05/2018</a:t>
+              <a:t>02/05/2018</a:t>
             </a:fld>
             <a:endParaRPr lang="pt-BR"/>
           </a:p>
@@ -3133,7 +3133,7 @@
             <a:fld id="{2E700DB3-DBF0-4086-B675-117E7A9610B8}" type="datetimeFigureOut">
               <a:rPr lang="pt-BR" smtClean="0"/>
               <a:pPr/>
-              <a:t>01/05/2018</a:t>
+              <a:t>02/05/2018</a:t>
             </a:fld>
             <a:endParaRPr lang="pt-BR"/>
           </a:p>
@@ -3512,7 +3512,7 @@
           <a:blip r:embed="rId13" cstate="print">
             <a:extLst>
               <a:ext uri="{BEBA8EAE-BF5A-486C-A8C5-ECC9F3942E4B}">
-                <a14:imgProps xmlns:a14="http://schemas.microsoft.com/office/drawing/2010/main" xmlns="">
+                <a14:imgProps xmlns="" xmlns:a14="http://schemas.microsoft.com/office/drawing/2010/main">
                   <a14:imgLayer r:embed="rId14">
                     <a14:imgEffect>
                       <a14:saturation sat="305000"/>
@@ -3699,7 +3699,7 @@
               <a:pPr>
                 <a:defRPr/>
               </a:pPr>
-              <a:t>01/05/2018</a:t>
+              <a:t>02/05/2018</a:t>
             </a:fld>
             <a:endParaRPr lang="pt-BR"/>
           </a:p>
@@ -3836,7 +3836,7 @@
           <a:blip r:embed="rId16" cstate="print">
             <a:extLst>
               <a:ext uri="{28A0092B-C50C-407E-A947-70E740481C1C}">
-                <a14:useLocalDpi xmlns:a14="http://schemas.microsoft.com/office/drawing/2010/main" xmlns="" val="0"/>
+                <a14:useLocalDpi xmlns="" xmlns:a14="http://schemas.microsoft.com/office/drawing/2010/main" val="0"/>
               </a:ext>
             </a:extLst>
           </a:blip>
@@ -3857,14 +3857,14 @@
           </a:ln>
           <a:extLst>
             <a:ext uri="{909E8E84-426E-40DD-AFC4-6F175D3DCCD1}">
-              <a14:hiddenFill xmlns:a14="http://schemas.microsoft.com/office/drawing/2010/main" xmlns="">
+              <a14:hiddenFill xmlns="" xmlns:a14="http://schemas.microsoft.com/office/drawing/2010/main">
                 <a:solidFill>
                   <a:srgbClr val="FFFFFF"/>
                 </a:solidFill>
               </a14:hiddenFill>
             </a:ext>
             <a:ext uri="{91240B29-F687-4F45-9708-019B960494DF}">
-              <a14:hiddenLine xmlns:a14="http://schemas.microsoft.com/office/drawing/2010/main" xmlns="" w="9525">
+              <a14:hiddenLine xmlns="" xmlns:a14="http://schemas.microsoft.com/office/drawing/2010/main" w="9525">
                 <a:solidFill>
                   <a:srgbClr val="000000"/>
                 </a:solidFill>
@@ -4592,7 +4592,7 @@
           <a:blip r:embed="rId2" cstate="print">
             <a:extLst>
               <a:ext uri="{28A0092B-C50C-407E-A947-70E740481C1C}">
-                <a14:useLocalDpi xmlns:a14="http://schemas.microsoft.com/office/drawing/2010/main" xmlns="" val="0"/>
+                <a14:useLocalDpi xmlns="" xmlns:a14="http://schemas.microsoft.com/office/drawing/2010/main" val="0"/>
               </a:ext>
             </a:extLst>
           </a:blip>
@@ -4983,13 +4983,8 @@
           <a:p>
             <a:r>
               <a:rPr lang="pt-BR" sz="1800" b="1" dirty="0" smtClean="0"/>
-              <a:t>Um breve passeio pela biblioteca </a:t>
-            </a:r>
-            <a:r>
-              <a:rPr lang="pt-BR" sz="1800" b="1" dirty="0" smtClean="0"/>
-              <a:t>padrão</a:t>
-            </a:r>
-            <a:endParaRPr lang="pt-BR" sz="1800" b="1" dirty="0" smtClean="0"/>
+              <a:t>Um breve passeio pela biblioteca padrão</a:t>
+            </a:r>
           </a:p>
           <a:p>
             <a:pPr lvl="1"/>
@@ -6631,7 +6626,11 @@
           <a:p>
             <a:r>
               <a:rPr lang="pt-BR" dirty="0" smtClean="0"/>
-              <a:t>os.system('dir &gt;&gt; vovo.txt]')</a:t>
+              <a:t>os.system('dir &gt;&gt; </a:t>
+            </a:r>
+            <a:r>
+              <a:rPr lang="pt-BR" dirty="0" smtClean="0"/>
+              <a:t>vovo.txt')</a:t>
             </a:r>
             <a:endParaRPr lang="pt-BR" dirty="0"/>
           </a:p>

--- a/AutomacaoComScripts/Aula07-Arquivos/07-Arquivos.pptx
+++ b/AutomacaoComScripts/Aula07-Arquivos/07-Arquivos.pptx
@@ -12,12 +12,13 @@
     <p:sldId id="307" r:id="rId6"/>
     <p:sldId id="308" r:id="rId7"/>
     <p:sldId id="309" r:id="rId8"/>
-    <p:sldId id="311" r:id="rId9"/>
-    <p:sldId id="312" r:id="rId10"/>
-    <p:sldId id="310" r:id="rId11"/>
-    <p:sldId id="313" r:id="rId12"/>
-    <p:sldId id="314" r:id="rId13"/>
-    <p:sldId id="304" r:id="rId14"/>
+    <p:sldId id="315" r:id="rId9"/>
+    <p:sldId id="311" r:id="rId10"/>
+    <p:sldId id="312" r:id="rId11"/>
+    <p:sldId id="310" r:id="rId12"/>
+    <p:sldId id="313" r:id="rId13"/>
+    <p:sldId id="314" r:id="rId14"/>
+    <p:sldId id="304" r:id="rId15"/>
   </p:sldIdLst>
   <p:sldSz cx="9144000" cy="6858000" type="screen4x3"/>
   <p:notesSz cx="6858000" cy="9144000"/>
@@ -116,6 +117,22 @@
       </a:defRPr>
     </a:lvl9pPr>
   </p:defaultTextStyle>
+  <p:extLst>
+    <p:ext uri="{EFAFB233-063F-42B5-8137-9DF3F51BA10A}">
+      <p15:sldGuideLst xmlns:p15="http://schemas.microsoft.com/office/powerpoint/2012/main">
+        <p15:guide id="1" orient="horz" pos="2160">
+          <p15:clr>
+            <a:srgbClr val="A4A3A4"/>
+          </p15:clr>
+        </p15:guide>
+        <p15:guide id="2" pos="2880">
+          <p15:clr>
+            <a:srgbClr val="A4A3A4"/>
+          </p15:clr>
+        </p15:guide>
+      </p15:sldGuideLst>
+    </p:ext>
+  </p:extLst>
 </p:presentation>
 </file>
 
@@ -370,7 +387,7 @@
               <a:pPr>
                 <a:defRPr/>
               </a:pPr>
-              <a:t>02/05/2018</a:t>
+              <a:t>18/05/2018</a:t>
             </a:fld>
             <a:endParaRPr lang="pt-BR"/>
           </a:p>
@@ -429,7 +446,7 @@
               <a:pPr>
                 <a:defRPr/>
               </a:pPr>
-              <a:t>‹#›</a:t>
+              <a:t>‹nº›</a:t>
             </a:fld>
             <a:endParaRPr lang="pt-BR"/>
           </a:p>
@@ -648,7 +665,7 @@
               <a:pPr>
                 <a:defRPr/>
               </a:pPr>
-              <a:t>02/05/2018</a:t>
+              <a:t>18/05/2018</a:t>
             </a:fld>
             <a:endParaRPr lang="pt-BR"/>
           </a:p>
@@ -707,7 +724,7 @@
               <a:pPr>
                 <a:defRPr/>
               </a:pPr>
-              <a:t>‹#›</a:t>
+              <a:t>‹nº›</a:t>
             </a:fld>
             <a:endParaRPr lang="pt-BR"/>
           </a:p>
@@ -840,7 +857,7 @@
               <a:pPr>
                 <a:defRPr/>
               </a:pPr>
-              <a:t>02/05/2018</a:t>
+              <a:t>18/05/2018</a:t>
             </a:fld>
             <a:endParaRPr lang="pt-BR"/>
           </a:p>
@@ -899,7 +916,7 @@
               <a:pPr>
                 <a:defRPr/>
               </a:pPr>
-              <a:t>‹#›</a:t>
+              <a:t>‹nº›</a:t>
             </a:fld>
             <a:endParaRPr lang="pt-BR"/>
           </a:p>
@@ -1042,7 +1059,7 @@
               <a:pPr>
                 <a:defRPr/>
               </a:pPr>
-              <a:t>02/05/2018</a:t>
+              <a:t>18/05/2018</a:t>
             </a:fld>
             <a:endParaRPr lang="pt-BR"/>
           </a:p>
@@ -1101,7 +1118,7 @@
               <a:pPr>
                 <a:defRPr/>
               </a:pPr>
-              <a:t>‹#›</a:t>
+              <a:t>‹nº›</a:t>
             </a:fld>
             <a:endParaRPr lang="pt-BR"/>
           </a:p>
@@ -1144,7 +1161,7 @@
           <a:blip r:embed="rId2" cstate="print">
             <a:extLst>
               <a:ext uri="{BEBA8EAE-BF5A-486C-A8C5-ECC9F3942E4B}">
-                <a14:imgProps xmlns="" xmlns:a14="http://schemas.microsoft.com/office/drawing/2010/main">
+                <a14:imgProps xmlns:a14="http://schemas.microsoft.com/office/drawing/2010/main">
                   <a14:imgLayer r:embed="rId3">
                     <a14:imgEffect>
                       <a14:saturation sat="305000"/>
@@ -1188,7 +1205,7 @@
           <a:blip r:embed="rId4" cstate="print">
             <a:extLst>
               <a:ext uri="{28A0092B-C50C-407E-A947-70E740481C1C}">
-                <a14:useLocalDpi xmlns="" xmlns:a14="http://schemas.microsoft.com/office/drawing/2010/main" val="0"/>
+                <a14:useLocalDpi xmlns:a14="http://schemas.microsoft.com/office/drawing/2010/main" val="0"/>
               </a:ext>
             </a:extLst>
           </a:blip>
@@ -1211,14 +1228,14 @@
           </a:ln>
           <a:extLst>
             <a:ext uri="{909E8E84-426E-40DD-AFC4-6F175D3DCCD1}">
-              <a14:hiddenFill xmlns="" xmlns:a14="http://schemas.microsoft.com/office/drawing/2010/main">
+              <a14:hiddenFill xmlns:a14="http://schemas.microsoft.com/office/drawing/2010/main">
                 <a:solidFill>
                   <a:srgbClr val="FFFFFF"/>
                 </a:solidFill>
               </a14:hiddenFill>
             </a:ext>
             <a:ext uri="{91240B29-F687-4F45-9708-019B960494DF}">
-              <a14:hiddenLine xmlns="" xmlns:a14="http://schemas.microsoft.com/office/drawing/2010/main" w="9525">
+              <a14:hiddenLine xmlns:a14="http://schemas.microsoft.com/office/drawing/2010/main" w="9525">
                 <a:solidFill>
                   <a:srgbClr val="000000"/>
                 </a:solidFill>
@@ -1436,7 +1453,7 @@
               <a:pPr>
                 <a:defRPr/>
               </a:pPr>
-              <a:t>02/05/2018</a:t>
+              <a:t>18/05/2018</a:t>
             </a:fld>
             <a:endParaRPr lang="pt-BR"/>
           </a:p>
@@ -1495,7 +1512,7 @@
               <a:pPr>
                 <a:defRPr/>
               </a:pPr>
-              <a:t>‹#›</a:t>
+              <a:t>‹nº›</a:t>
             </a:fld>
             <a:endParaRPr lang="pt-BR"/>
           </a:p>
@@ -1628,7 +1645,7 @@
               <a:pPr>
                 <a:defRPr/>
               </a:pPr>
-              <a:t>02/05/2018</a:t>
+              <a:t>18/05/2018</a:t>
             </a:fld>
             <a:endParaRPr lang="pt-BR"/>
           </a:p>
@@ -1687,7 +1704,7 @@
               <a:pPr>
                 <a:defRPr/>
               </a:pPr>
-              <a:t>‹#›</a:t>
+              <a:t>‹nº›</a:t>
             </a:fld>
             <a:endParaRPr lang="pt-BR"/>
           </a:p>
@@ -1896,7 +1913,7 @@
               <a:pPr>
                 <a:defRPr/>
               </a:pPr>
-              <a:t>02/05/2018</a:t>
+              <a:t>18/05/2018</a:t>
             </a:fld>
             <a:endParaRPr lang="pt-BR"/>
           </a:p>
@@ -1955,7 +1972,7 @@
               <a:pPr>
                 <a:defRPr/>
               </a:pPr>
-              <a:t>‹#›</a:t>
+              <a:t>‹nº›</a:t>
             </a:fld>
             <a:endParaRPr lang="pt-BR"/>
           </a:p>
@@ -2206,7 +2223,7 @@
               <a:pPr>
                 <a:defRPr/>
               </a:pPr>
-              <a:t>02/05/2018</a:t>
+              <a:t>18/05/2018</a:t>
             </a:fld>
             <a:endParaRPr lang="pt-BR"/>
           </a:p>
@@ -2265,7 +2282,7 @@
               <a:pPr>
                 <a:defRPr/>
               </a:pPr>
-              <a:t>‹#›</a:t>
+              <a:t>‹nº›</a:t>
             </a:fld>
             <a:endParaRPr lang="pt-BR"/>
           </a:p>
@@ -2650,7 +2667,7 @@
               <a:pPr>
                 <a:defRPr/>
               </a:pPr>
-              <a:t>02/05/2018</a:t>
+              <a:t>18/05/2018</a:t>
             </a:fld>
             <a:endParaRPr lang="pt-BR"/>
           </a:p>
@@ -2709,7 +2726,7 @@
               <a:pPr>
                 <a:defRPr/>
               </a:pPr>
-              <a:t>‹#›</a:t>
+              <a:t>‹nº›</a:t>
             </a:fld>
             <a:endParaRPr lang="pt-BR"/>
           </a:p>
@@ -2790,7 +2807,7 @@
               <a:pPr>
                 <a:defRPr/>
               </a:pPr>
-              <a:t>02/05/2018</a:t>
+              <a:t>18/05/2018</a:t>
             </a:fld>
             <a:endParaRPr lang="pt-BR"/>
           </a:p>
@@ -2849,7 +2866,7 @@
               <a:pPr>
                 <a:defRPr/>
               </a:pPr>
-              <a:t>‹#›</a:t>
+              <a:t>‹nº›</a:t>
             </a:fld>
             <a:endParaRPr lang="pt-BR"/>
           </a:p>
@@ -2907,7 +2924,7 @@
               <a:pPr>
                 <a:defRPr/>
               </a:pPr>
-              <a:t>02/05/2018</a:t>
+              <a:t>18/05/2018</a:t>
             </a:fld>
             <a:endParaRPr lang="pt-BR"/>
           </a:p>
@@ -2966,7 +2983,7 @@
               <a:pPr>
                 <a:defRPr/>
               </a:pPr>
-              <a:t>‹#›</a:t>
+              <a:t>‹nº›</a:t>
             </a:fld>
             <a:endParaRPr lang="pt-BR"/>
           </a:p>
@@ -3133,7 +3150,7 @@
             <a:fld id="{2E700DB3-DBF0-4086-B675-117E7A9610B8}" type="datetimeFigureOut">
               <a:rPr lang="pt-BR" smtClean="0"/>
               <a:pPr/>
-              <a:t>02/05/2018</a:t>
+              <a:t>18/05/2018</a:t>
             </a:fld>
             <a:endParaRPr lang="pt-BR"/>
           </a:p>
@@ -3212,7 +3229,7 @@
             <a:fld id="{2119D8CF-8DEC-4D9F-84EE-ADF04DFF3391}" type="slidenum">
               <a:rPr lang="pt-BR" smtClean="0"/>
               <a:pPr/>
-              <a:t>‹#›</a:t>
+              <a:t>‹nº›</a:t>
             </a:fld>
             <a:endParaRPr lang="pt-BR"/>
           </a:p>
@@ -3512,7 +3529,7 @@
           <a:blip r:embed="rId13" cstate="print">
             <a:extLst>
               <a:ext uri="{BEBA8EAE-BF5A-486C-A8C5-ECC9F3942E4B}">
-                <a14:imgProps xmlns="" xmlns:a14="http://schemas.microsoft.com/office/drawing/2010/main">
+                <a14:imgProps xmlns:a14="http://schemas.microsoft.com/office/drawing/2010/main">
                   <a14:imgLayer r:embed="rId14">
                     <a14:imgEffect>
                       <a14:saturation sat="305000"/>
@@ -3699,7 +3716,7 @@
               <a:pPr>
                 <a:defRPr/>
               </a:pPr>
-              <a:t>02/05/2018</a:t>
+              <a:t>18/05/2018</a:t>
             </a:fld>
             <a:endParaRPr lang="pt-BR"/>
           </a:p>
@@ -3786,7 +3803,7 @@
               <a:pPr>
                 <a:defRPr/>
               </a:pPr>
-              <a:t>‹#›</a:t>
+              <a:t>‹nº›</a:t>
             </a:fld>
             <a:endParaRPr lang="pt-BR"/>
           </a:p>
@@ -3836,7 +3853,7 @@
           <a:blip r:embed="rId16" cstate="print">
             <a:extLst>
               <a:ext uri="{28A0092B-C50C-407E-A947-70E740481C1C}">
-                <a14:useLocalDpi xmlns="" xmlns:a14="http://schemas.microsoft.com/office/drawing/2010/main" val="0"/>
+                <a14:useLocalDpi xmlns:a14="http://schemas.microsoft.com/office/drawing/2010/main" val="0"/>
               </a:ext>
             </a:extLst>
           </a:blip>
@@ -3857,14 +3874,14 @@
           </a:ln>
           <a:extLst>
             <a:ext uri="{909E8E84-426E-40DD-AFC4-6F175D3DCCD1}">
-              <a14:hiddenFill xmlns="" xmlns:a14="http://schemas.microsoft.com/office/drawing/2010/main">
+              <a14:hiddenFill xmlns:a14="http://schemas.microsoft.com/office/drawing/2010/main">
                 <a:solidFill>
                   <a:srgbClr val="FFFFFF"/>
                 </a:solidFill>
               </a14:hiddenFill>
             </a:ext>
             <a:ext uri="{91240B29-F687-4F45-9708-019B960494DF}">
-              <a14:hiddenLine xmlns="" xmlns:a14="http://schemas.microsoft.com/office/drawing/2010/main" w="9525">
+              <a14:hiddenLine xmlns:a14="http://schemas.microsoft.com/office/drawing/2010/main" w="9525">
                 <a:solidFill>
                   <a:srgbClr val="000000"/>
                 </a:solidFill>
@@ -4592,7 +4609,7 @@
           <a:blip r:embed="rId2" cstate="print">
             <a:extLst>
               <a:ext uri="{28A0092B-C50C-407E-A947-70E740481C1C}">
-                <a14:useLocalDpi xmlns="" xmlns:a14="http://schemas.microsoft.com/office/drawing/2010/main" val="0"/>
+                <a14:useLocalDpi xmlns:a14="http://schemas.microsoft.com/office/drawing/2010/main" val="0"/>
               </a:ext>
             </a:extLst>
           </a:blip>
@@ -4689,29 +4706,38 @@
           <a:p>
             <a:r>
               <a:rPr lang="pt-BR" dirty="0" smtClean="0"/>
-              <a:t>Copiar ou mover arquivos</a:t>
+              <a:t>A biblioteca “os”  fornece a maioria das funções para manipular arquivos e pastas</a:t>
+            </a:r>
+          </a:p>
+          <a:p>
+            <a:r>
+              <a:rPr lang="pt-BR" dirty="0" smtClean="0"/>
+              <a:t>Experimente executar</a:t>
+            </a:r>
+          </a:p>
+          <a:p>
+            <a:endParaRPr lang="pt-BR" dirty="0" smtClean="0"/>
+          </a:p>
+          <a:p>
+            <a:endParaRPr lang="pt-BR" dirty="0" smtClean="0"/>
+          </a:p>
+          <a:p>
+            <a:endParaRPr lang="pt-BR" dirty="0" smtClean="0"/>
+          </a:p>
+          <a:p>
+            <a:r>
+              <a:rPr lang="pt-BR" dirty="0" smtClean="0"/>
+              <a:t>Se os.system retornar 0 é porque deu certo!</a:t>
             </a:r>
           </a:p>
           <a:p>
             <a:pPr lvl="1"/>
             <a:r>
               <a:rPr lang="pt-BR" dirty="0" smtClean="0"/>
-              <a:t>A biblioteca shutil possui funções que facilitam a tarefa</a:t>
-            </a:r>
-          </a:p>
-          <a:p>
-            <a:pPr lvl="1"/>
-            <a:endParaRPr lang="pt-BR" dirty="0" smtClean="0"/>
-          </a:p>
-          <a:p>
-            <a:pPr lvl="1"/>
-            <a:endParaRPr lang="pt-BR" dirty="0" smtClean="0"/>
-          </a:p>
-          <a:p>
-            <a:r>
-              <a:rPr lang="pt-BR" dirty="0" smtClean="0"/>
-              <a:t>Listando conteudo do diretório</a:t>
-            </a:r>
+              <a:t>Execute</a:t>
+            </a:r>
+          </a:p>
+          <a:p>
             <a:endParaRPr lang="pt-BR" dirty="0"/>
           </a:p>
         </p:txBody>
@@ -4724,8 +4750,8 @@
         </p:nvSpPr>
         <p:spPr>
           <a:xfrm>
-            <a:off x="755576" y="3068960"/>
-            <a:ext cx="7632848" cy="923330"/>
+            <a:off x="0" y="3501008"/>
+            <a:ext cx="9144000" cy="1323439"/>
           </a:xfrm>
           <a:prstGeom prst="rect">
             <a:avLst/>
@@ -4738,31 +4764,49 @@
           <a:lstStyle/>
           <a:p>
             <a:r>
-              <a:rPr lang="pt-BR" dirty="0" smtClean="0">
+              <a:rPr lang="pt-BR" sz="1600" dirty="0" smtClean="0">
                 <a:latin typeface="Courier New" pitchFamily="49" charset="0"/>
                 <a:cs typeface="Courier New" pitchFamily="49" charset="0"/>
               </a:rPr>
-              <a:t>&gt;&gt;&gt; import shutil</a:t>
-            </a:r>
-          </a:p>
-          <a:p>
-            <a:r>
-              <a:rPr lang="pt-BR" dirty="0" smtClean="0">
+              <a:t>&gt;&gt;&gt; import os</a:t>
+            </a:r>
+          </a:p>
+          <a:p>
+            <a:r>
+              <a:rPr lang="pt-BR" sz="1600" dirty="0" smtClean="0">
                 <a:latin typeface="Courier New" pitchFamily="49" charset="0"/>
                 <a:cs typeface="Courier New" pitchFamily="49" charset="0"/>
               </a:rPr>
-              <a:t>&gt;&gt;&gt; shutil.copyfile('data.db', 'archive.db')</a:t>
-            </a:r>
-          </a:p>
-          <a:p>
-            <a:r>
-              <a:rPr lang="pt-BR" dirty="0" smtClean="0">
+              <a:t>&gt;&gt;&gt; os.getcwd()      # Devolve o diretório atual</a:t>
+            </a:r>
+          </a:p>
+          <a:p>
+            <a:r>
+              <a:rPr lang="pt-BR" sz="1600" dirty="0" smtClean="0">
                 <a:latin typeface="Courier New" pitchFamily="49" charset="0"/>
                 <a:cs typeface="Courier New" pitchFamily="49" charset="0"/>
               </a:rPr>
-              <a:t>&gt;&gt;&gt; shutil.move('/build/executables', 'installdir')</a:t>
-            </a:r>
-            <a:endParaRPr lang="pt-BR" dirty="0">
+              <a:t>'C:\\Python26'</a:t>
+            </a:r>
+          </a:p>
+          <a:p>
+            <a:r>
+              <a:rPr lang="pt-BR" sz="1600" dirty="0" smtClean="0">
+                <a:latin typeface="Courier New" pitchFamily="49" charset="0"/>
+                <a:cs typeface="Courier New" pitchFamily="49" charset="0"/>
+              </a:rPr>
+              <a:t>&gt;&gt;&gt; os.chdir('/server/accesslogs')   # Altera o diretório atual</a:t>
+            </a:r>
+          </a:p>
+          <a:p>
+            <a:r>
+              <a:rPr lang="pt-BR" sz="1600" dirty="0" smtClean="0">
+                <a:latin typeface="Courier New" pitchFamily="49" charset="0"/>
+                <a:cs typeface="Courier New" pitchFamily="49" charset="0"/>
+              </a:rPr>
+              <a:t>&gt;&gt;&gt; os.system('mkdir today')   # Executa o comando mkdir no shell</a:t>
+            </a:r>
+            <a:endParaRPr lang="pt-BR" sz="1600" dirty="0">
               <a:latin typeface="Courier New" pitchFamily="49" charset="0"/>
               <a:cs typeface="Courier New" pitchFamily="49" charset="0"/>
             </a:endParaRPr>
@@ -4777,48 +4821,24 @@
         </p:nvSpPr>
         <p:spPr>
           <a:xfrm>
-            <a:off x="1547664" y="4941168"/>
-            <a:ext cx="6984776" cy="923330"/>
+            <a:off x="2195736" y="6021288"/>
+            <a:ext cx="2762295" cy="369332"/>
           </a:xfrm>
           <a:prstGeom prst="rect">
             <a:avLst/>
           </a:prstGeom>
         </p:spPr>
         <p:txBody>
-          <a:bodyPr wrap="square">
+          <a:bodyPr wrap="none">
             <a:spAutoFit/>
           </a:bodyPr>
           <a:lstStyle/>
           <a:p>
             <a:r>
-              <a:rPr lang="pt-BR" dirty="0" smtClean="0">
-                <a:latin typeface="Courier New" pitchFamily="49" charset="0"/>
-                <a:cs typeface="Courier New" pitchFamily="49" charset="0"/>
-              </a:rPr>
-              <a:t>&gt;&gt;&gt; import glob</a:t>
-            </a:r>
-          </a:p>
-          <a:p>
-            <a:r>
-              <a:rPr lang="pt-BR" dirty="0" smtClean="0">
-                <a:latin typeface="Courier New" pitchFamily="49" charset="0"/>
-                <a:cs typeface="Courier New" pitchFamily="49" charset="0"/>
-              </a:rPr>
-              <a:t>&gt;&gt;&gt; glob.glob('*.py')</a:t>
-            </a:r>
-          </a:p>
-          <a:p>
-            <a:r>
-              <a:rPr lang="pt-BR" dirty="0" smtClean="0">
-                <a:latin typeface="Courier New" pitchFamily="49" charset="0"/>
-                <a:cs typeface="Courier New" pitchFamily="49" charset="0"/>
-              </a:rPr>
-              <a:t>['primes.py', 'random.py', 'quote.py']</a:t>
-            </a:r>
-            <a:endParaRPr lang="pt-BR" dirty="0">
-              <a:latin typeface="Courier New" pitchFamily="49" charset="0"/>
-              <a:cs typeface="Courier New" pitchFamily="49" charset="0"/>
-            </a:endParaRPr>
+              <a:rPr lang="pt-BR" dirty="0" smtClean="0"/>
+              <a:t>os.system('dir &gt;&gt; vovo.txt')</a:t>
+            </a:r>
+            <a:endParaRPr lang="pt-BR" dirty="0"/>
           </a:p>
         </p:txBody>
       </p:sp>
@@ -4864,7 +4884,7 @@
           <a:p>
             <a:r>
               <a:rPr lang="pt-BR" dirty="0" smtClean="0"/>
-              <a:t>Exercícios</a:t>
+              <a:t>Gerenciando arquivos e pastas</a:t>
             </a:r>
             <a:endParaRPr lang="pt-BR" dirty="0"/>
           </a:p>
@@ -4887,18 +4907,136 @@
           <a:p>
             <a:r>
               <a:rPr lang="pt-BR" dirty="0" smtClean="0"/>
-              <a:t>Crie um script capaz de entrar no diretório que o usuário escolher e criar um arquivo com o seguinte texto dentro: “Seja bem vindo”</a:t>
-            </a:r>
-          </a:p>
-          <a:p>
+              <a:t>Copiar ou mover arquivos</a:t>
+            </a:r>
+          </a:p>
+          <a:p>
+            <a:pPr lvl="1"/>
+            <a:r>
+              <a:rPr lang="pt-BR" dirty="0" smtClean="0"/>
+              <a:t>A biblioteca shutil possui funções que facilitam a tarefa</a:t>
+            </a:r>
+          </a:p>
+          <a:p>
+            <a:pPr lvl="1"/>
             <a:endParaRPr lang="pt-BR" dirty="0" smtClean="0"/>
           </a:p>
           <a:p>
+            <a:pPr lvl="1"/>
+            <a:endParaRPr lang="pt-BR" dirty="0" smtClean="0"/>
+          </a:p>
+          <a:p>
             <a:r>
               <a:rPr lang="pt-BR" dirty="0" smtClean="0"/>
-              <a:t>Crie um script capaz de criar uma cópia da sua pasta “Downloads” </a:t>
+              <a:t>Listando conteudo do diretório</a:t>
             </a:r>
             <a:endParaRPr lang="pt-BR" dirty="0"/>
+          </a:p>
+        </p:txBody>
+      </p:sp>
+      <p:sp>
+        <p:nvSpPr>
+          <p:cNvPr id="5" name="Rectangle 4"/>
+          <p:cNvSpPr/>
+          <p:nvPr/>
+        </p:nvSpPr>
+        <p:spPr>
+          <a:xfrm>
+            <a:off x="755576" y="3068960"/>
+            <a:ext cx="7632848" cy="923330"/>
+          </a:xfrm>
+          <a:prstGeom prst="rect">
+            <a:avLst/>
+          </a:prstGeom>
+        </p:spPr>
+        <p:txBody>
+          <a:bodyPr wrap="square">
+            <a:spAutoFit/>
+          </a:bodyPr>
+          <a:lstStyle/>
+          <a:p>
+            <a:r>
+              <a:rPr lang="pt-BR" dirty="0" smtClean="0">
+                <a:latin typeface="Courier New" pitchFamily="49" charset="0"/>
+                <a:cs typeface="Courier New" pitchFamily="49" charset="0"/>
+              </a:rPr>
+              <a:t>&gt;&gt;&gt; import shutil</a:t>
+            </a:r>
+          </a:p>
+          <a:p>
+            <a:r>
+              <a:rPr lang="pt-BR" dirty="0" smtClean="0">
+                <a:latin typeface="Courier New" pitchFamily="49" charset="0"/>
+                <a:cs typeface="Courier New" pitchFamily="49" charset="0"/>
+              </a:rPr>
+              <a:t>&gt;&gt;&gt; shutil.copyfile('data.db', 'archive.db')</a:t>
+            </a:r>
+          </a:p>
+          <a:p>
+            <a:r>
+              <a:rPr lang="pt-BR" dirty="0" smtClean="0">
+                <a:latin typeface="Courier New" pitchFamily="49" charset="0"/>
+                <a:cs typeface="Courier New" pitchFamily="49" charset="0"/>
+              </a:rPr>
+              <a:t>&gt;&gt;&gt; shutil.move('/build/executables', 'installdir')</a:t>
+            </a:r>
+            <a:endParaRPr lang="pt-BR" dirty="0">
+              <a:latin typeface="Courier New" pitchFamily="49" charset="0"/>
+              <a:cs typeface="Courier New" pitchFamily="49" charset="0"/>
+            </a:endParaRPr>
+          </a:p>
+        </p:txBody>
+      </p:sp>
+      <p:sp>
+        <p:nvSpPr>
+          <p:cNvPr id="6" name="Rectangle 5"/>
+          <p:cNvSpPr/>
+          <p:nvPr/>
+        </p:nvSpPr>
+        <p:spPr>
+          <a:xfrm>
+            <a:off x="1547664" y="4941168"/>
+            <a:ext cx="6984776" cy="923330"/>
+          </a:xfrm>
+          <a:prstGeom prst="rect">
+            <a:avLst/>
+          </a:prstGeom>
+        </p:spPr>
+        <p:txBody>
+          <a:bodyPr wrap="square">
+            <a:spAutoFit/>
+          </a:bodyPr>
+          <a:lstStyle/>
+          <a:p>
+            <a:r>
+              <a:rPr lang="pt-BR" dirty="0" smtClean="0">
+                <a:latin typeface="Courier New" pitchFamily="49" charset="0"/>
+                <a:cs typeface="Courier New" pitchFamily="49" charset="0"/>
+              </a:rPr>
+              <a:t>&gt;&gt;&gt; import glob</a:t>
+            </a:r>
+          </a:p>
+          <a:p>
+            <a:r>
+              <a:rPr lang="pt-BR" dirty="0" smtClean="0">
+                <a:latin typeface="Courier New" pitchFamily="49" charset="0"/>
+                <a:cs typeface="Courier New" pitchFamily="49" charset="0"/>
+              </a:rPr>
+              <a:t>&gt;&gt;&gt; glob.glob('*.py')</a:t>
+            </a:r>
+          </a:p>
+          <a:p>
+            <a:r>
+              <a:rPr lang="pt-BR" dirty="0" smtClean="0">
+                <a:latin typeface="Courier New" pitchFamily="49" charset="0"/>
+                <a:cs typeface="Courier New" pitchFamily="49" charset="0"/>
+              </a:rPr>
+              <a:t>['primes.py', 'random.py', 'quote.py']</a:t>
+            </a:r>
+            <a:endParaRPr lang="pt-BR" dirty="0">
+              <a:latin typeface="Courier New" pitchFamily="49" charset="0"/>
+              <a:cs typeface="Courier New" pitchFamily="49" charset="0"/>
+            </a:endParaRPr>
           </a:p>
         </p:txBody>
       </p:sp>
@@ -4943,6 +5081,86 @@
           <a:lstStyle/>
           <a:p>
             <a:r>
+              <a:rPr lang="pt-BR" dirty="0" smtClean="0"/>
+              <a:t>Exercícios</a:t>
+            </a:r>
+            <a:endParaRPr lang="pt-BR" dirty="0"/>
+          </a:p>
+        </p:txBody>
+      </p:sp>
+      <p:sp>
+        <p:nvSpPr>
+          <p:cNvPr id="3" name="Content Placeholder 2"/>
+          <p:cNvSpPr>
+            <a:spLocks noGrp="1"/>
+          </p:cNvSpPr>
+          <p:nvPr>
+            <p:ph idx="1"/>
+          </p:nvPr>
+        </p:nvSpPr>
+        <p:spPr/>
+        <p:txBody>
+          <a:bodyPr/>
+          <a:lstStyle/>
+          <a:p>
+            <a:r>
+              <a:rPr lang="pt-BR" dirty="0" smtClean="0"/>
+              <a:t>Crie um script capaz de entrar no diretório que o usuário escolher e criar um arquivo com o seguinte texto dentro: “Seja bem vindo”</a:t>
+            </a:r>
+          </a:p>
+          <a:p>
+            <a:endParaRPr lang="pt-BR" dirty="0" smtClean="0"/>
+          </a:p>
+          <a:p>
+            <a:r>
+              <a:rPr lang="pt-BR" dirty="0" smtClean="0"/>
+              <a:t>Crie um script capaz de criar uma cópia da sua pasta “Downloads” </a:t>
+            </a:r>
+            <a:endParaRPr lang="pt-BR" dirty="0"/>
+          </a:p>
+        </p:txBody>
+      </p:sp>
+    </p:spTree>
+  </p:cSld>
+  <p:clrMapOvr>
+    <a:masterClrMapping/>
+  </p:clrMapOvr>
+</p:sld>
+</file>
+
+<file path=ppt/slides/slide13.xml><?xml version="1.0" encoding="utf-8"?>
+<p:sld xmlns:a="http://schemas.openxmlformats.org/drawingml/2006/main" xmlns:r="http://schemas.openxmlformats.org/officeDocument/2006/relationships" xmlns:p="http://schemas.openxmlformats.org/presentationml/2006/main">
+  <p:cSld>
+    <p:spTree>
+      <p:nvGrpSpPr>
+        <p:cNvPr id="1" name=""/>
+        <p:cNvGrpSpPr/>
+        <p:nvPr/>
+      </p:nvGrpSpPr>
+      <p:grpSpPr>
+        <a:xfrm>
+          <a:off x="0" y="0"/>
+          <a:ext cx="0" cy="0"/>
+          <a:chOff x="0" y="0"/>
+          <a:chExt cx="0" cy="0"/>
+        </a:xfrm>
+      </p:grpSpPr>
+      <p:sp>
+        <p:nvSpPr>
+          <p:cNvPr id="2" name="Title 1"/>
+          <p:cNvSpPr>
+            <a:spLocks noGrp="1"/>
+          </p:cNvSpPr>
+          <p:nvPr>
+            <p:ph type="title"/>
+          </p:nvPr>
+        </p:nvSpPr>
+        <p:spPr/>
+        <p:txBody>
+          <a:bodyPr/>
+          <a:lstStyle/>
+          <a:p>
+            <a:r>
               <a:rPr lang="pt-BR" smtClean="0"/>
               <a:t>References</a:t>
             </a:r>
@@ -4982,32 +5200,45 @@
           </a:p>
           <a:p>
             <a:r>
-              <a:rPr lang="pt-BR" sz="1800" b="1" dirty="0" smtClean="0"/>
+              <a:rPr lang="pt-BR" sz="1800" dirty="0" smtClean="0"/>
               <a:t>Um breve passeio pela biblioteca padrão</a:t>
             </a:r>
           </a:p>
           <a:p>
             <a:pPr lvl="1"/>
             <a:r>
-              <a:rPr lang="pt-BR" sz="1400" dirty="0" smtClean="0"/>
-              <a:t>http://turing.com.br/pydoc/2.7/tutorial/stdlib.html</a:t>
-            </a:r>
+              <a:rPr lang="pt-BR" sz="1400" dirty="0" smtClean="0">
+                <a:hlinkClick r:id="rId3"/>
+              </a:rPr>
+              <a:t>http://</a:t>
+            </a:r>
+            <a:r>
+              <a:rPr lang="pt-BR" sz="1400" dirty="0" smtClean="0">
+                <a:hlinkClick r:id="rId3"/>
+              </a:rPr>
+              <a:t>turing.com.br/pydoc/2.7/tutorial/stdlib.html</a:t>
+            </a:r>
+            <a:endParaRPr lang="pt-BR" sz="1400" dirty="0" smtClean="0"/>
+          </a:p>
+          <a:p>
+            <a:r>
+              <a:rPr lang="pt-BR" sz="1800" dirty="0" smtClean="0"/>
+              <a:t>IO</a:t>
+            </a:r>
+          </a:p>
+          <a:p>
+            <a:pPr lvl="1"/>
+            <a:r>
+              <a:rPr lang="pt-BR" sz="1400" dirty="0"/>
+              <a:t>https://docs.python.org/3/library/io.html</a:t>
+            </a:r>
+            <a:endParaRPr lang="pt-BR" sz="1400" dirty="0" smtClean="0"/>
           </a:p>
           <a:p>
             <a:r>
               <a:rPr lang="pt-BR" sz="1800" dirty="0" smtClean="0"/>
               <a:t>Referências Python</a:t>
             </a:r>
-          </a:p>
-          <a:p>
-            <a:pPr lvl="1"/>
-            <a:r>
-              <a:rPr lang="pt-BR" sz="1600" dirty="0" smtClean="0">
-                <a:hlinkClick r:id="rId3"/>
-              </a:rPr>
-              <a:t>https://docs.python.org/3/library/index.html</a:t>
-            </a:r>
-            <a:endParaRPr lang="pt-BR" sz="1600" dirty="0" smtClean="0"/>
           </a:p>
           <a:p>
             <a:pPr lvl="1"/>
@@ -5015,7 +5246,45 @@
               <a:rPr lang="pt-BR" sz="1600" dirty="0" smtClean="0">
                 <a:hlinkClick r:id="rId4"/>
               </a:rPr>
-              <a:t>https://docs.python.org/3/reference/index.html</a:t>
+              <a:t>https://docs.python.org/3/library/index.html</a:t>
+            </a:r>
+            <a:endParaRPr lang="pt-BR" sz="1600" dirty="0" smtClean="0"/>
+          </a:p>
+          <a:p>
+            <a:pPr lvl="1"/>
+            <a:r>
+              <a:rPr lang="pt-BR" sz="1600" dirty="0" smtClean="0">
+                <a:hlinkClick r:id="rId5"/>
+              </a:rPr>
+              <a:t>https://</a:t>
+            </a:r>
+            <a:r>
+              <a:rPr lang="pt-BR" sz="1600" dirty="0" smtClean="0">
+                <a:hlinkClick r:id="rId5"/>
+              </a:rPr>
+              <a:t>docs.python.org/3/reference/index.html</a:t>
+            </a:r>
+            <a:endParaRPr lang="pt-BR" sz="1600" dirty="0" smtClean="0"/>
+          </a:p>
+          <a:p>
+            <a:r>
+              <a:rPr lang="pt-BR" sz="2000" dirty="0"/>
+              <a:t>Trabalhando com </a:t>
+            </a:r>
+            <a:r>
+              <a:rPr lang="pt-BR" sz="2000" dirty="0" smtClean="0"/>
+              <a:t>Arquivos</a:t>
+            </a:r>
+          </a:p>
+          <a:p>
+            <a:pPr lvl="1"/>
+            <a:r>
+              <a:rPr lang="pt-BR" sz="1600" dirty="0" smtClean="0"/>
+              <a:t>https</a:t>
+            </a:r>
+            <a:r>
+              <a:rPr lang="pt-BR" sz="1600" dirty="0"/>
+              <a:t>://panda.ime.usp.br/pensepy/static/pensepy/10-Arquivos/files.html</a:t>
             </a:r>
             <a:endParaRPr lang="pt-BR" sz="1600" dirty="0" smtClean="0"/>
           </a:p>
@@ -6160,7 +6429,7 @@
       </p:grpSpPr>
       <p:sp>
         <p:nvSpPr>
-          <p:cNvPr id="2" name="Title 1"/>
+          <p:cNvPr id="2" name="Título 1"/>
           <p:cNvSpPr>
             <a:spLocks noGrp="1"/>
           </p:cNvSpPr>
@@ -6175,7 +6444,7 @@
           <a:p>
             <a:r>
               <a:rPr lang="pt-BR" dirty="0" smtClean="0"/>
-              <a:t>Tratamentos de exceção</a:t>
+              <a:t>Percorrendo arquivos</a:t>
             </a:r>
             <a:endParaRPr lang="pt-BR" dirty="0"/>
           </a:p>
@@ -6183,7 +6452,7 @@
       </p:sp>
       <p:sp>
         <p:nvSpPr>
-          <p:cNvPr id="3" name="Content Placeholder 2"/>
+          <p:cNvPr id="3" name="Espaço Reservado para Conteúdo 2"/>
           <p:cNvSpPr>
             <a:spLocks noGrp="1"/>
           </p:cNvSpPr>
@@ -6191,108 +6460,138 @@
             <p:ph idx="1"/>
           </p:nvPr>
         </p:nvSpPr>
-        <p:spPr/>
+        <p:spPr>
+          <a:xfrm>
+            <a:off x="60648" y="1628800"/>
+            <a:ext cx="9083352" cy="4525963"/>
+          </a:xfrm>
+        </p:spPr>
         <p:txBody>
           <a:bodyPr/>
           <a:lstStyle/>
           <a:p>
-            <a:r>
-              <a:rPr lang="pt-BR" dirty="0" smtClean="0"/>
-              <a:t>Quando abrimos um arquivo que não existe, o python retorna um erro</a:t>
-            </a:r>
-          </a:p>
-          <a:p>
-            <a:endParaRPr lang="pt-BR" dirty="0" smtClean="0"/>
-          </a:p>
-          <a:p>
-            <a:endParaRPr lang="pt-BR" dirty="0" smtClean="0"/>
-          </a:p>
-          <a:p>
-            <a:endParaRPr lang="pt-BR" dirty="0" smtClean="0"/>
-          </a:p>
-          <a:p>
-            <a:r>
-              <a:rPr lang="pt-BR" dirty="0" smtClean="0"/>
-              <a:t>Caso o usuário erre o nome do arquivo, você não gostaria de fazer um tratamento personalizado?</a:t>
-            </a:r>
-            <a:endParaRPr lang="pt-BR" dirty="0"/>
-          </a:p>
-        </p:txBody>
-      </p:sp>
-      <p:sp>
-        <p:nvSpPr>
-          <p:cNvPr id="4" name="Rectangle 3"/>
-          <p:cNvSpPr/>
-          <p:nvPr/>
-        </p:nvSpPr>
-        <p:spPr>
-          <a:xfrm>
-            <a:off x="971600" y="2708920"/>
-            <a:ext cx="7848872" cy="1477328"/>
-          </a:xfrm>
-          <a:prstGeom prst="rect">
-            <a:avLst/>
-          </a:prstGeom>
-        </p:spPr>
-        <p:txBody>
-          <a:bodyPr wrap="square">
-            <a:spAutoFit/>
-          </a:bodyPr>
-          <a:lstStyle/>
-          <a:p>
-            <a:r>
-              <a:rPr lang="pt-BR" dirty="0" smtClean="0"/>
-              <a:t>&gt;&gt;&gt; f = open("eunaoexisto.dat", "r")</a:t>
-            </a:r>
-          </a:p>
-          <a:p>
+            <a:pPr marL="0" indent="0">
+              <a:buNone/>
+            </a:pPr>
+            <a:r>
+              <a:rPr lang="pt-BR" dirty="0" err="1">
+                <a:latin typeface="Courier New" panose="02070309020205020404" pitchFamily="49" charset="0"/>
+                <a:cs typeface="Courier New" panose="02070309020205020404" pitchFamily="49" charset="0"/>
+              </a:rPr>
+              <a:t>ref_arquivo</a:t>
+            </a:r>
+            <a:r>
+              <a:rPr lang="pt-BR" dirty="0">
+                <a:latin typeface="Courier New" panose="02070309020205020404" pitchFamily="49" charset="0"/>
+                <a:cs typeface="Courier New" panose="02070309020205020404" pitchFamily="49" charset="0"/>
+              </a:rPr>
+              <a:t> = open("qbdata.</a:t>
+            </a:r>
+            <a:r>
+              <a:rPr lang="pt-BR" dirty="0" err="1">
+                <a:latin typeface="Courier New" panose="02070309020205020404" pitchFamily="49" charset="0"/>
+                <a:cs typeface="Courier New" panose="02070309020205020404" pitchFamily="49" charset="0"/>
+              </a:rPr>
+              <a:t>txt</a:t>
+            </a:r>
+            <a:r>
+              <a:rPr lang="pt-BR" dirty="0">
+                <a:latin typeface="Courier New" panose="02070309020205020404" pitchFamily="49" charset="0"/>
+                <a:cs typeface="Courier New" panose="02070309020205020404" pitchFamily="49" charset="0"/>
+              </a:rPr>
+              <a:t>","r")</a:t>
+            </a:r>
+          </a:p>
+          <a:p>
+            <a:pPr marL="0" indent="0">
+              <a:buNone/>
+            </a:pPr>
             <a:r>
               <a:rPr lang="pt-BR" dirty="0" smtClean="0">
-                <a:solidFill>
-                  <a:srgbClr val="FF0000"/>
-                </a:solidFill>
+                <a:latin typeface="Courier New" panose="02070309020205020404" pitchFamily="49" charset="0"/>
+                <a:cs typeface="Courier New" panose="02070309020205020404" pitchFamily="49" charset="0"/>
               </a:rPr>
-              <a:t>Traceback (most recent call last):</a:t>
-            </a:r>
-          </a:p>
-          <a:p>
+              <a:t>for </a:t>
+            </a:r>
+            <a:r>
+              <a:rPr lang="pt-BR" dirty="0">
+                <a:latin typeface="Courier New" panose="02070309020205020404" pitchFamily="49" charset="0"/>
+                <a:cs typeface="Courier New" panose="02070309020205020404" pitchFamily="49" charset="0"/>
+              </a:rPr>
+              <a:t>linha in </a:t>
+            </a:r>
+            <a:r>
+              <a:rPr lang="pt-BR" dirty="0" err="1">
+                <a:latin typeface="Courier New" panose="02070309020205020404" pitchFamily="49" charset="0"/>
+                <a:cs typeface="Courier New" panose="02070309020205020404" pitchFamily="49" charset="0"/>
+              </a:rPr>
+              <a:t>ref_arquivo</a:t>
+            </a:r>
+            <a:r>
+              <a:rPr lang="pt-BR" dirty="0">
+                <a:latin typeface="Courier New" panose="02070309020205020404" pitchFamily="49" charset="0"/>
+                <a:cs typeface="Courier New" panose="02070309020205020404" pitchFamily="49" charset="0"/>
+              </a:rPr>
+              <a:t>:</a:t>
+            </a:r>
+          </a:p>
+          <a:p>
+            <a:pPr marL="0" indent="0">
+              <a:buNone/>
+            </a:pPr>
             <a:r>
               <a:rPr lang="pt-BR" dirty="0" smtClean="0">
-                <a:solidFill>
-                  <a:srgbClr val="FF0000"/>
-                </a:solidFill>
+                <a:latin typeface="Courier New" panose="02070309020205020404" pitchFamily="49" charset="0"/>
+                <a:cs typeface="Courier New" panose="02070309020205020404" pitchFamily="49" charset="0"/>
               </a:rPr>
-              <a:t>  File "&lt;pyshell#6&gt;", line 1, in &lt;module&gt;</a:t>
-            </a:r>
-          </a:p>
-          <a:p>
+              <a:t>    </a:t>
+            </a:r>
+            <a:r>
+              <a:rPr lang="pt-BR" dirty="0" err="1" smtClean="0">
+                <a:latin typeface="Courier New" panose="02070309020205020404" pitchFamily="49" charset="0"/>
+                <a:cs typeface="Courier New" panose="02070309020205020404" pitchFamily="49" charset="0"/>
+              </a:rPr>
+              <a:t>print</a:t>
+            </a:r>
             <a:r>
               <a:rPr lang="pt-BR" dirty="0" smtClean="0">
-                <a:solidFill>
-                  <a:srgbClr val="FF0000"/>
-                </a:solidFill>
+                <a:latin typeface="Courier New" panose="02070309020205020404" pitchFamily="49" charset="0"/>
+                <a:cs typeface="Courier New" panose="02070309020205020404" pitchFamily="49" charset="0"/>
               </a:rPr>
-              <a:t>    f = open("eunaoexisto.dat", "r")</a:t>
-            </a:r>
-          </a:p>
-          <a:p>
-            <a:r>
-              <a:rPr lang="pt-BR" dirty="0" smtClean="0">
-                <a:solidFill>
-                  <a:srgbClr val="FF0000"/>
-                </a:solidFill>
+              <a:t>(linha)</a:t>
+            </a:r>
+            <a:endParaRPr lang="pt-BR" dirty="0">
+              <a:latin typeface="Courier New" panose="02070309020205020404" pitchFamily="49" charset="0"/>
+              <a:cs typeface="Courier New" panose="02070309020205020404" pitchFamily="49" charset="0"/>
+            </a:endParaRPr>
+          </a:p>
+          <a:p>
+            <a:pPr marL="0" indent="0">
+              <a:buNone/>
+            </a:pPr>
+            <a:r>
+              <a:rPr lang="pt-BR" dirty="0" err="1">
+                <a:latin typeface="Courier New" panose="02070309020205020404" pitchFamily="49" charset="0"/>
+                <a:cs typeface="Courier New" panose="02070309020205020404" pitchFamily="49" charset="0"/>
               </a:rPr>
-              <a:t>FileNotFoundError: [Errno 2] No such file or directory: 'eunaoexisto.dat'</a:t>
-            </a:r>
-            <a:endParaRPr lang="pt-BR" dirty="0">
-              <a:solidFill>
-                <a:srgbClr val="FF0000"/>
-              </a:solidFill>
-            </a:endParaRPr>
+              <a:t>ref_arquivo.close</a:t>
+            </a:r>
+            <a:r>
+              <a:rPr lang="pt-BR" dirty="0">
+                <a:latin typeface="Courier New" panose="02070309020205020404" pitchFamily="49" charset="0"/>
+                <a:cs typeface="Courier New" panose="02070309020205020404" pitchFamily="49" charset="0"/>
+              </a:rPr>
+              <a:t>()</a:t>
+            </a:r>
           </a:p>
         </p:txBody>
       </p:sp>
     </p:spTree>
+    <p:extLst>
+      <p:ext uri="{BB962C8B-B14F-4D97-AF65-F5344CB8AC3E}">
+        <p14:creationId xmlns:p14="http://schemas.microsoft.com/office/powerpoint/2010/main" val="1592538063"/>
+      </p:ext>
+    </p:extLst>
   </p:cSld>
   <p:clrMapOvr>
     <a:masterClrMapping/>
@@ -6334,7 +6633,7 @@
           <a:p>
             <a:r>
               <a:rPr lang="pt-BR" dirty="0" smtClean="0"/>
-              <a:t>Tratamento de exceção</a:t>
+              <a:t>Tratamentos de exceção</a:t>
             </a:r>
             <a:endParaRPr lang="pt-BR" dirty="0"/>
           </a:p>
@@ -6357,7 +6656,22 @@
           <a:p>
             <a:r>
               <a:rPr lang="pt-BR" dirty="0" smtClean="0"/>
-              <a:t>Cerque o código que pode levantar exceção com try/except</a:t>
+              <a:t>Quando abrimos um arquivo que não existe, o python retorna um erro</a:t>
+            </a:r>
+          </a:p>
+          <a:p>
+            <a:endParaRPr lang="pt-BR" dirty="0" smtClean="0"/>
+          </a:p>
+          <a:p>
+            <a:endParaRPr lang="pt-BR" dirty="0" smtClean="0"/>
+          </a:p>
+          <a:p>
+            <a:endParaRPr lang="pt-BR" dirty="0" smtClean="0"/>
+          </a:p>
+          <a:p>
+            <a:r>
+              <a:rPr lang="pt-BR" dirty="0" smtClean="0"/>
+              <a:t>Caso o usuário erre o nome do arquivo, você não gostaria de fazer um tratamento personalizado?</a:t>
             </a:r>
             <a:endParaRPr lang="pt-BR" dirty="0"/>
           </a:p>
@@ -6371,8 +6685,8 @@
         </p:nvSpPr>
         <p:spPr>
           <a:xfrm>
-            <a:off x="1115616" y="3068960"/>
-            <a:ext cx="6858000" cy="2585323"/>
+            <a:off x="971600" y="2708920"/>
+            <a:ext cx="7848872" cy="1477328"/>
           </a:xfrm>
           <a:prstGeom prst="rect">
             <a:avLst/>
@@ -6386,48 +6700,53 @@
           <a:p>
             <a:r>
               <a:rPr lang="pt-BR" dirty="0" smtClean="0"/>
-              <a:t>nomedoarquivo = input("Entre com o nome do arquivo: ")</a:t>
-            </a:r>
-          </a:p>
-          <a:p>
-            <a:r>
-              <a:rPr lang="pt-BR" b="1" dirty="0" smtClean="0"/>
-              <a:t>try:</a:t>
-            </a:r>
-          </a:p>
-          <a:p>
-            <a:r>
-              <a:rPr lang="pt-BR" dirty="0" smtClean="0"/>
-              <a:t>  f = open (nomedoarquivo, "r")</a:t>
-            </a:r>
-          </a:p>
-          <a:p>
-            <a:r>
-              <a:rPr lang="pt-BR" dirty="0" smtClean="0"/>
-              <a:t>  primeirafrase=f.readline()</a:t>
-            </a:r>
-          </a:p>
-          <a:p>
-            <a:endParaRPr lang="pt-BR" dirty="0" smtClean="0"/>
-          </a:p>
-          <a:p>
-            <a:r>
-              <a:rPr lang="pt-BR" dirty="0" smtClean="0"/>
-              <a:t>  print ("A primeira frase do arquivo é:", primeirafrase)</a:t>
-            </a:r>
-          </a:p>
-          <a:p>
-            <a:r>
-              <a:rPr lang="pt-BR" b="1" dirty="0" smtClean="0"/>
-              <a:t>except:</a:t>
-            </a:r>
-          </a:p>
-          <a:p>
-            <a:r>
-              <a:rPr lang="pt-BR" dirty="0" smtClean="0"/>
-              <a:t>  print ("Não existe arquivo chamado, acho que você se enganou!", nomedoarquivo)</a:t>
-            </a:r>
-            <a:endParaRPr lang="pt-BR" dirty="0"/>
+              <a:t>&gt;&gt;&gt; f = open("eunaoexisto.dat", "r")</a:t>
+            </a:r>
+          </a:p>
+          <a:p>
+            <a:r>
+              <a:rPr lang="pt-BR" dirty="0" smtClean="0">
+                <a:solidFill>
+                  <a:srgbClr val="FF0000"/>
+                </a:solidFill>
+              </a:rPr>
+              <a:t>Traceback (most recent call last):</a:t>
+            </a:r>
+          </a:p>
+          <a:p>
+            <a:r>
+              <a:rPr lang="pt-BR" dirty="0" smtClean="0">
+                <a:solidFill>
+                  <a:srgbClr val="FF0000"/>
+                </a:solidFill>
+              </a:rPr>
+              <a:t>  File "&lt;pyshell#6&gt;", line 1, in &lt;module&gt;</a:t>
+            </a:r>
+          </a:p>
+          <a:p>
+            <a:r>
+              <a:rPr lang="pt-BR" dirty="0" smtClean="0">
+                <a:solidFill>
+                  <a:srgbClr val="FF0000"/>
+                </a:solidFill>
+              </a:rPr>
+              <a:t>    f = open("eunaoexisto.dat", "r")</a:t>
+            </a:r>
+          </a:p>
+          <a:p>
+            <a:r>
+              <a:rPr lang="pt-BR" dirty="0" smtClean="0">
+                <a:solidFill>
+                  <a:srgbClr val="FF0000"/>
+                </a:solidFill>
+              </a:rPr>
+              <a:t>FileNotFoundError: [Errno 2] No such file or directory: 'eunaoexisto.dat'</a:t>
+            </a:r>
+            <a:endParaRPr lang="pt-BR" dirty="0">
+              <a:solidFill>
+                <a:srgbClr val="FF0000"/>
+              </a:solidFill>
+            </a:endParaRPr>
           </a:p>
         </p:txBody>
       </p:sp>
@@ -6473,7 +6792,7 @@
           <a:p>
             <a:r>
               <a:rPr lang="pt-BR" dirty="0" smtClean="0"/>
-              <a:t>Gerenciando arquivos e pastas</a:t>
+              <a:t>Tratamento de exceção</a:t>
             </a:r>
             <a:endParaRPr lang="pt-BR" dirty="0"/>
           </a:p>
@@ -6496,52 +6815,22 @@
           <a:p>
             <a:r>
               <a:rPr lang="pt-BR" dirty="0" smtClean="0"/>
-              <a:t>A biblioteca “os”  fornece a maioria das funções para manipular arquivos e pastas</a:t>
-            </a:r>
-          </a:p>
-          <a:p>
-            <a:r>
-              <a:rPr lang="pt-BR" dirty="0" smtClean="0"/>
-              <a:t>Experimente executar</a:t>
-            </a:r>
-          </a:p>
-          <a:p>
-            <a:endParaRPr lang="pt-BR" dirty="0" smtClean="0"/>
-          </a:p>
-          <a:p>
-            <a:endParaRPr lang="pt-BR" dirty="0" smtClean="0"/>
-          </a:p>
-          <a:p>
-            <a:endParaRPr lang="pt-BR" dirty="0" smtClean="0"/>
-          </a:p>
-          <a:p>
-            <a:r>
-              <a:rPr lang="pt-BR" dirty="0" smtClean="0"/>
-              <a:t>Se os.system retornar 0 é porque deu certo!</a:t>
-            </a:r>
-          </a:p>
-          <a:p>
-            <a:pPr lvl="1"/>
-            <a:r>
-              <a:rPr lang="pt-BR" dirty="0" smtClean="0"/>
-              <a:t>Execute</a:t>
-            </a:r>
-          </a:p>
-          <a:p>
+              <a:t>Cerque o código que pode levantar exceção com try/except</a:t>
+            </a:r>
             <a:endParaRPr lang="pt-BR" dirty="0"/>
           </a:p>
         </p:txBody>
       </p:sp>
       <p:sp>
         <p:nvSpPr>
-          <p:cNvPr id="5" name="Rectangle 4"/>
+          <p:cNvPr id="4" name="Rectangle 3"/>
           <p:cNvSpPr/>
           <p:nvPr/>
         </p:nvSpPr>
         <p:spPr>
           <a:xfrm>
-            <a:off x="0" y="3501008"/>
-            <a:ext cx="9144000" cy="1323439"/>
+            <a:off x="1115616" y="3068960"/>
+            <a:ext cx="6858000" cy="2585323"/>
           </a:xfrm>
           <a:prstGeom prst="rect">
             <a:avLst/>
@@ -6554,83 +6843,47 @@
           <a:lstStyle/>
           <a:p>
             <a:r>
-              <a:rPr lang="pt-BR" sz="1600" dirty="0" smtClean="0">
-                <a:latin typeface="Courier New" pitchFamily="49" charset="0"/>
-                <a:cs typeface="Courier New" pitchFamily="49" charset="0"/>
-              </a:rPr>
-              <a:t>&gt;&gt;&gt; import os</a:t>
-            </a:r>
-          </a:p>
-          <a:p>
-            <a:r>
-              <a:rPr lang="pt-BR" sz="1600" dirty="0" smtClean="0">
-                <a:latin typeface="Courier New" pitchFamily="49" charset="0"/>
-                <a:cs typeface="Courier New" pitchFamily="49" charset="0"/>
-              </a:rPr>
-              <a:t>&gt;&gt;&gt; os.getcwd()      # Devolve o diretório atual</a:t>
-            </a:r>
-          </a:p>
-          <a:p>
-            <a:r>
-              <a:rPr lang="pt-BR" sz="1600" dirty="0" smtClean="0">
-                <a:latin typeface="Courier New" pitchFamily="49" charset="0"/>
-                <a:cs typeface="Courier New" pitchFamily="49" charset="0"/>
-              </a:rPr>
-              <a:t>'C:\\Python26'</a:t>
-            </a:r>
-          </a:p>
-          <a:p>
-            <a:r>
-              <a:rPr lang="pt-BR" sz="1600" dirty="0" smtClean="0">
-                <a:latin typeface="Courier New" pitchFamily="49" charset="0"/>
-                <a:cs typeface="Courier New" pitchFamily="49" charset="0"/>
-              </a:rPr>
-              <a:t>&gt;&gt;&gt; os.chdir('/server/accesslogs')   # Altera o diretório atual</a:t>
-            </a:r>
-          </a:p>
-          <a:p>
-            <a:r>
-              <a:rPr lang="pt-BR" sz="1600" dirty="0" smtClean="0">
-                <a:latin typeface="Courier New" pitchFamily="49" charset="0"/>
-                <a:cs typeface="Courier New" pitchFamily="49" charset="0"/>
-              </a:rPr>
-              <a:t>&gt;&gt;&gt; os.system('mkdir today')   # Executa o comando mkdir no shell</a:t>
-            </a:r>
-            <a:endParaRPr lang="pt-BR" sz="1600" dirty="0">
-              <a:latin typeface="Courier New" pitchFamily="49" charset="0"/>
-              <a:cs typeface="Courier New" pitchFamily="49" charset="0"/>
-            </a:endParaRPr>
-          </a:p>
-        </p:txBody>
-      </p:sp>
-      <p:sp>
-        <p:nvSpPr>
-          <p:cNvPr id="6" name="Rectangle 5"/>
-          <p:cNvSpPr/>
-          <p:nvPr/>
-        </p:nvSpPr>
-        <p:spPr>
-          <a:xfrm>
-            <a:off x="2195736" y="6021288"/>
-            <a:ext cx="2762295" cy="369332"/>
-          </a:xfrm>
-          <a:prstGeom prst="rect">
-            <a:avLst/>
-          </a:prstGeom>
-        </p:spPr>
-        <p:txBody>
-          <a:bodyPr wrap="none">
-            <a:spAutoFit/>
-          </a:bodyPr>
-          <a:lstStyle/>
-          <a:p>
-            <a:r>
               <a:rPr lang="pt-BR" dirty="0" smtClean="0"/>
-              <a:t>os.system('dir &gt;&gt; </a:t>
-            </a:r>
+              <a:t>nomedoarquivo = input("Entre com o nome do arquivo: ")</a:t>
+            </a:r>
+          </a:p>
+          <a:p>
+            <a:r>
+              <a:rPr lang="pt-BR" b="1" dirty="0" smtClean="0"/>
+              <a:t>try:</a:t>
+            </a:r>
+          </a:p>
+          <a:p>
             <a:r>
               <a:rPr lang="pt-BR" dirty="0" smtClean="0"/>
-              <a:t>vovo.txt')</a:t>
+              <a:t>  f = open (nomedoarquivo, "r")</a:t>
+            </a:r>
+          </a:p>
+          <a:p>
+            <a:r>
+              <a:rPr lang="pt-BR" dirty="0" smtClean="0"/>
+              <a:t>  primeirafrase=f.readline()</a:t>
+            </a:r>
+          </a:p>
+          <a:p>
+            <a:endParaRPr lang="pt-BR" dirty="0" smtClean="0"/>
+          </a:p>
+          <a:p>
+            <a:r>
+              <a:rPr lang="pt-BR" dirty="0" smtClean="0"/>
+              <a:t>  print ("A primeira frase do arquivo é:", primeirafrase)</a:t>
+            </a:r>
+          </a:p>
+          <a:p>
+            <a:r>
+              <a:rPr lang="pt-BR" b="1" dirty="0" smtClean="0"/>
+              <a:t>except:</a:t>
+            </a:r>
+          </a:p>
+          <a:p>
+            <a:r>
+              <a:rPr lang="pt-BR" dirty="0" smtClean="0"/>
+              <a:t>  print ("Não existe arquivo chamado, acho que você se enganou!", nomedoarquivo)</a:t>
             </a:r>
             <a:endParaRPr lang="pt-BR" dirty="0"/>
           </a:p>
